--- a/2020-21 Season/ROTY Predictions/ROTY Graphic.pptx
+++ b/2020-21 Season/ROTY Predictions/ROTY Graphic.pptx
@@ -244,7 +244,7 @@
           <a:p>
             <a:fld id="{A6407CB3-6BA4-4613-89E2-0EBE449D8C44}" type="datetimeFigureOut">
               <a:rPr lang="en-US" smtClean="0"/>
-              <a:t>2/17/2021</a:t>
+              <a:t>10/24/2021</a:t>
             </a:fld>
             <a:endParaRPr lang="en-US"/>
           </a:p>
@@ -414,7 +414,7 @@
           <a:p>
             <a:fld id="{A6407CB3-6BA4-4613-89E2-0EBE449D8C44}" type="datetimeFigureOut">
               <a:rPr lang="en-US" smtClean="0"/>
-              <a:t>2/17/2021</a:t>
+              <a:t>10/24/2021</a:t>
             </a:fld>
             <a:endParaRPr lang="en-US"/>
           </a:p>
@@ -594,7 +594,7 @@
           <a:p>
             <a:fld id="{A6407CB3-6BA4-4613-89E2-0EBE449D8C44}" type="datetimeFigureOut">
               <a:rPr lang="en-US" smtClean="0"/>
-              <a:t>2/17/2021</a:t>
+              <a:t>10/24/2021</a:t>
             </a:fld>
             <a:endParaRPr lang="en-US"/>
           </a:p>
@@ -764,7 +764,7 @@
           <a:p>
             <a:fld id="{A6407CB3-6BA4-4613-89E2-0EBE449D8C44}" type="datetimeFigureOut">
               <a:rPr lang="en-US" smtClean="0"/>
-              <a:t>2/17/2021</a:t>
+              <a:t>10/24/2021</a:t>
             </a:fld>
             <a:endParaRPr lang="en-US"/>
           </a:p>
@@ -1008,7 +1008,7 @@
           <a:p>
             <a:fld id="{A6407CB3-6BA4-4613-89E2-0EBE449D8C44}" type="datetimeFigureOut">
               <a:rPr lang="en-US" smtClean="0"/>
-              <a:t>2/17/2021</a:t>
+              <a:t>10/24/2021</a:t>
             </a:fld>
             <a:endParaRPr lang="en-US"/>
           </a:p>
@@ -1240,7 +1240,7 @@
           <a:p>
             <a:fld id="{A6407CB3-6BA4-4613-89E2-0EBE449D8C44}" type="datetimeFigureOut">
               <a:rPr lang="en-US" smtClean="0"/>
-              <a:t>2/17/2021</a:t>
+              <a:t>10/24/2021</a:t>
             </a:fld>
             <a:endParaRPr lang="en-US"/>
           </a:p>
@@ -1607,7 +1607,7 @@
           <a:p>
             <a:fld id="{A6407CB3-6BA4-4613-89E2-0EBE449D8C44}" type="datetimeFigureOut">
               <a:rPr lang="en-US" smtClean="0"/>
-              <a:t>2/17/2021</a:t>
+              <a:t>10/24/2021</a:t>
             </a:fld>
             <a:endParaRPr lang="en-US"/>
           </a:p>
@@ -1725,7 +1725,7 @@
           <a:p>
             <a:fld id="{A6407CB3-6BA4-4613-89E2-0EBE449D8C44}" type="datetimeFigureOut">
               <a:rPr lang="en-US" smtClean="0"/>
-              <a:t>2/17/2021</a:t>
+              <a:t>10/24/2021</a:t>
             </a:fld>
             <a:endParaRPr lang="en-US"/>
           </a:p>
@@ -1820,7 +1820,7 @@
           <a:p>
             <a:fld id="{A6407CB3-6BA4-4613-89E2-0EBE449D8C44}" type="datetimeFigureOut">
               <a:rPr lang="en-US" smtClean="0"/>
-              <a:t>2/17/2021</a:t>
+              <a:t>10/24/2021</a:t>
             </a:fld>
             <a:endParaRPr lang="en-US"/>
           </a:p>
@@ -2097,7 +2097,7 @@
           <a:p>
             <a:fld id="{A6407CB3-6BA4-4613-89E2-0EBE449D8C44}" type="datetimeFigureOut">
               <a:rPr lang="en-US" smtClean="0"/>
-              <a:t>2/17/2021</a:t>
+              <a:t>10/24/2021</a:t>
             </a:fld>
             <a:endParaRPr lang="en-US"/>
           </a:p>
@@ -2354,7 +2354,7 @@
           <a:p>
             <a:fld id="{A6407CB3-6BA4-4613-89E2-0EBE449D8C44}" type="datetimeFigureOut">
               <a:rPr lang="en-US" smtClean="0"/>
-              <a:t>2/17/2021</a:t>
+              <a:t>10/24/2021</a:t>
             </a:fld>
             <a:endParaRPr lang="en-US"/>
           </a:p>
@@ -2567,7 +2567,7 @@
           <a:p>
             <a:fld id="{A6407CB3-6BA4-4613-89E2-0EBE449D8C44}" type="datetimeFigureOut">
               <a:rPr lang="en-US" smtClean="0"/>
-              <a:t>2/17/2021</a:t>
+              <a:t>10/24/2021</a:t>
             </a:fld>
             <a:endParaRPr lang="en-US"/>
           </a:p>
@@ -6553,6 +6553,254 @@
           </p:spPr>
         </p:pic>
       </p:grpSp>
+      <p:grpSp>
+        <p:nvGrpSpPr>
+          <p:cNvPr id="25" name="Group 24">
+            <a:extLst>
+              <a:ext uri="{FF2B5EF4-FFF2-40B4-BE49-F238E27FC236}">
+                <a16:creationId xmlns:a16="http://schemas.microsoft.com/office/drawing/2014/main" id="{3D59FE4B-0D9F-48A5-BCCB-E9CD2FF2D68A}"/>
+              </a:ext>
+            </a:extLst>
+          </p:cNvPr>
+          <p:cNvGrpSpPr/>
+          <p:nvPr/>
+        </p:nvGrpSpPr>
+        <p:grpSpPr>
+          <a:xfrm>
+            <a:off x="6621569" y="3549650"/>
+            <a:ext cx="456466" cy="511175"/>
+            <a:chOff x="6563460" y="2838450"/>
+            <a:chExt cx="456466" cy="511175"/>
+          </a:xfrm>
+        </p:grpSpPr>
+        <p:sp>
+          <p:nvSpPr>
+            <p:cNvPr id="27" name="Rectangle: Rounded Corners 26">
+              <a:extLst>
+                <a:ext uri="{FF2B5EF4-FFF2-40B4-BE49-F238E27FC236}">
+                  <a16:creationId xmlns:a16="http://schemas.microsoft.com/office/drawing/2014/main" id="{9B564658-6558-42A6-ACB6-3A89A8BBE616}"/>
+                </a:ext>
+              </a:extLst>
+            </p:cNvPr>
+            <p:cNvSpPr/>
+            <p:nvPr/>
+          </p:nvSpPr>
+          <p:spPr>
+            <a:xfrm>
+              <a:off x="6652111" y="2838450"/>
+              <a:ext cx="275568" cy="444897"/>
+            </a:xfrm>
+            <a:prstGeom prst="roundRect">
+              <a:avLst>
+                <a:gd name="adj" fmla="val 0"/>
+              </a:avLst>
+            </a:prstGeom>
+            <a:solidFill>
+              <a:schemeClr val="bg1"/>
+            </a:solidFill>
+            <a:ln>
+              <a:solidFill>
+                <a:schemeClr val="bg1"/>
+              </a:solidFill>
+            </a:ln>
+          </p:spPr>
+          <p:style>
+            <a:lnRef idx="2">
+              <a:schemeClr val="accent1">
+                <a:shade val="50000"/>
+              </a:schemeClr>
+            </a:lnRef>
+            <a:fillRef idx="1">
+              <a:schemeClr val="accent1"/>
+            </a:fillRef>
+            <a:effectRef idx="0">
+              <a:schemeClr val="accent1"/>
+            </a:effectRef>
+            <a:fontRef idx="minor">
+              <a:schemeClr val="lt1"/>
+            </a:fontRef>
+          </p:style>
+          <p:txBody>
+            <a:bodyPr rtlCol="0" anchor="ctr"/>
+            <a:lstStyle/>
+            <a:p>
+              <a:pPr algn="ctr"/>
+              <a:endParaRPr lang="en-US"/>
+            </a:p>
+          </p:txBody>
+        </p:sp>
+        <p:sp>
+          <p:nvSpPr>
+            <p:cNvPr id="29" name="Rectangle: Top Corners Snipped 28">
+              <a:extLst>
+                <a:ext uri="{FF2B5EF4-FFF2-40B4-BE49-F238E27FC236}">
+                  <a16:creationId xmlns:a16="http://schemas.microsoft.com/office/drawing/2014/main" id="{B06D59C3-C0EC-473D-A248-0EB4A032994C}"/>
+                </a:ext>
+              </a:extLst>
+            </p:cNvPr>
+            <p:cNvSpPr/>
+            <p:nvPr/>
+          </p:nvSpPr>
+          <p:spPr>
+            <a:xfrm>
+              <a:off x="6563460" y="3162300"/>
+              <a:ext cx="456466" cy="187325"/>
+            </a:xfrm>
+            <a:prstGeom prst="snip2SameRect">
+              <a:avLst>
+                <a:gd name="adj1" fmla="val 49999"/>
+                <a:gd name="adj2" fmla="val 0"/>
+              </a:avLst>
+            </a:prstGeom>
+            <a:ln>
+              <a:solidFill>
+                <a:schemeClr val="bg1"/>
+              </a:solidFill>
+            </a:ln>
+          </p:spPr>
+          <p:style>
+            <a:lnRef idx="2">
+              <a:schemeClr val="dk1">
+                <a:shade val="50000"/>
+              </a:schemeClr>
+            </a:lnRef>
+            <a:fillRef idx="1">
+              <a:schemeClr val="dk1"/>
+            </a:fillRef>
+            <a:effectRef idx="0">
+              <a:schemeClr val="dk1"/>
+            </a:effectRef>
+            <a:fontRef idx="minor">
+              <a:schemeClr val="lt1"/>
+            </a:fontRef>
+          </p:style>
+          <p:txBody>
+            <a:bodyPr rtlCol="0" anchor="ctr"/>
+            <a:lstStyle/>
+            <a:p>
+              <a:pPr algn="ctr"/>
+              <a:endParaRPr lang="en-US"/>
+            </a:p>
+          </p:txBody>
+        </p:sp>
+        <p:sp>
+          <p:nvSpPr>
+            <p:cNvPr id="31" name="Rectangle 30">
+              <a:extLst>
+                <a:ext uri="{FF2B5EF4-FFF2-40B4-BE49-F238E27FC236}">
+                  <a16:creationId xmlns:a16="http://schemas.microsoft.com/office/drawing/2014/main" id="{52F6DCD3-C138-4876-8FB0-28D4D39674A7}"/>
+                </a:ext>
+              </a:extLst>
+            </p:cNvPr>
+            <p:cNvSpPr/>
+            <p:nvPr/>
+          </p:nvSpPr>
+          <p:spPr>
+            <a:xfrm>
+              <a:off x="6655705" y="3209130"/>
+              <a:ext cx="271974" cy="93663"/>
+            </a:xfrm>
+            <a:prstGeom prst="rect">
+              <a:avLst/>
+            </a:prstGeom>
+            <a:gradFill flip="none" rotWithShape="1">
+              <a:gsLst>
+                <a:gs pos="0">
+                  <a:schemeClr val="accent4">
+                    <a:lumMod val="67000"/>
+                  </a:schemeClr>
+                </a:gs>
+                <a:gs pos="48000">
+                  <a:schemeClr val="accent4">
+                    <a:lumMod val="97000"/>
+                    <a:lumOff val="3000"/>
+                  </a:schemeClr>
+                </a:gs>
+                <a:gs pos="100000">
+                  <a:schemeClr val="accent4">
+                    <a:lumMod val="60000"/>
+                    <a:lumOff val="40000"/>
+                  </a:schemeClr>
+                </a:gs>
+              </a:gsLst>
+              <a:lin ang="16200000" scaled="1"/>
+              <a:tileRect/>
+            </a:gradFill>
+            <a:ln>
+              <a:noFill/>
+            </a:ln>
+          </p:spPr>
+          <p:style>
+            <a:lnRef idx="0">
+              <a:scrgbClr r="0" g="0" b="0"/>
+            </a:lnRef>
+            <a:fillRef idx="0">
+              <a:scrgbClr r="0" g="0" b="0"/>
+            </a:fillRef>
+            <a:effectRef idx="0">
+              <a:scrgbClr r="0" g="0" b="0"/>
+            </a:effectRef>
+            <a:fontRef idx="minor">
+              <a:schemeClr val="lt1"/>
+            </a:fontRef>
+          </p:style>
+          <p:txBody>
+            <a:bodyPr rtlCol="0" anchor="ctr"/>
+            <a:lstStyle/>
+            <a:p>
+              <a:pPr algn="ctr"/>
+              <a:endParaRPr lang="en-US"/>
+            </a:p>
+          </p:txBody>
+        </p:sp>
+        <p:pic>
+          <p:nvPicPr>
+            <p:cNvPr id="32" name="Picture 22" descr="Image result for nba logo">
+              <a:extLst>
+                <a:ext uri="{FF2B5EF4-FFF2-40B4-BE49-F238E27FC236}">
+                  <a16:creationId xmlns:a16="http://schemas.microsoft.com/office/drawing/2014/main" id="{99C7648D-76CF-4894-82AC-0F967671D7AE}"/>
+                </a:ext>
+              </a:extLst>
+            </p:cNvPr>
+            <p:cNvPicPr>
+              <a:picLocks noChangeAspect="1" noChangeArrowheads="1"/>
+            </p:cNvPicPr>
+            <p:nvPr/>
+          </p:nvPicPr>
+          <p:blipFill>
+            <a:blip r:embed="rId15">
+              <a:extLst>
+                <a:ext uri="{28A0092B-C50C-407E-A947-70E740481C1C}">
+                  <a14:useLocalDpi xmlns:a14="http://schemas.microsoft.com/office/drawing/2010/main" val="0"/>
+                </a:ext>
+              </a:extLst>
+            </a:blip>
+            <a:srcRect/>
+            <a:stretch>
+              <a:fillRect/>
+            </a:stretch>
+          </p:blipFill>
+          <p:spPr bwMode="auto">
+            <a:xfrm>
+              <a:off x="6659776" y="2882614"/>
+              <a:ext cx="269764" cy="269764"/>
+            </a:xfrm>
+            <a:prstGeom prst="rect">
+              <a:avLst/>
+            </a:prstGeom>
+            <a:noFill/>
+            <a:extLst>
+              <a:ext uri="{909E8E84-426E-40DD-AFC4-6F175D3DCCD1}">
+                <a14:hiddenFill xmlns:a14="http://schemas.microsoft.com/office/drawing/2010/main">
+                  <a:solidFill>
+                    <a:srgbClr val="FFFFFF"/>
+                  </a:solidFill>
+                </a14:hiddenFill>
+              </a:ext>
+            </a:extLst>
+          </p:spPr>
+        </p:pic>
+      </p:grpSp>
     </p:spTree>
     <p:extLst>
       <p:ext uri="{BB962C8B-B14F-4D97-AF65-F5344CB8AC3E}">
